--- a/otmm_decimal/result_colab/result_novelty_2000_1.0_15_117_ColabPP/result_novelty_2000_1.0_15_117_parsing.pptx
+++ b/otmm_decimal/result_colab/result_novelty_2000_1.0_15_117_ColabPP/result_novelty_2000_1.0_15_117_parsing.pptx
@@ -263,7 +263,7 @@
           <a:p>
             <a:fld id="{A1CCF42C-534B-4F17-84EB-3026585EF5A2}" type="datetimeFigureOut">
               <a:rPr kumimoji="1" lang="ja-JP" altLang="en-US" smtClean="0"/>
-              <a:t>2023/1/3</a:t>
+              <a:t>2023/1/11</a:t>
             </a:fld>
             <a:endParaRPr kumimoji="1" lang="ja-JP" altLang="en-US"/>
           </a:p>
@@ -493,7 +493,7 @@
           <a:p>
             <a:fld id="{A1CCF42C-534B-4F17-84EB-3026585EF5A2}" type="datetimeFigureOut">
               <a:rPr kumimoji="1" lang="ja-JP" altLang="en-US" smtClean="0"/>
-              <a:t>2023/1/3</a:t>
+              <a:t>2023/1/11</a:t>
             </a:fld>
             <a:endParaRPr kumimoji="1" lang="ja-JP" altLang="en-US"/>
           </a:p>
@@ -733,7 +733,7 @@
           <a:p>
             <a:fld id="{A1CCF42C-534B-4F17-84EB-3026585EF5A2}" type="datetimeFigureOut">
               <a:rPr kumimoji="1" lang="ja-JP" altLang="en-US" smtClean="0"/>
-              <a:t>2023/1/3</a:t>
+              <a:t>2023/1/11</a:t>
             </a:fld>
             <a:endParaRPr kumimoji="1" lang="ja-JP" altLang="en-US"/>
           </a:p>
@@ -963,7 +963,7 @@
           <a:p>
             <a:fld id="{A1CCF42C-534B-4F17-84EB-3026585EF5A2}" type="datetimeFigureOut">
               <a:rPr kumimoji="1" lang="ja-JP" altLang="en-US" smtClean="0"/>
-              <a:t>2023/1/3</a:t>
+              <a:t>2023/1/11</a:t>
             </a:fld>
             <a:endParaRPr kumimoji="1" lang="ja-JP" altLang="en-US"/>
           </a:p>
@@ -1238,7 +1238,7 @@
           <a:p>
             <a:fld id="{A1CCF42C-534B-4F17-84EB-3026585EF5A2}" type="datetimeFigureOut">
               <a:rPr kumimoji="1" lang="ja-JP" altLang="en-US" smtClean="0"/>
-              <a:t>2023/1/3</a:t>
+              <a:t>2023/1/11</a:t>
             </a:fld>
             <a:endParaRPr kumimoji="1" lang="ja-JP" altLang="en-US"/>
           </a:p>
@@ -1567,7 +1567,7 @@
           <a:p>
             <a:fld id="{A1CCF42C-534B-4F17-84EB-3026585EF5A2}" type="datetimeFigureOut">
               <a:rPr kumimoji="1" lang="ja-JP" altLang="en-US" smtClean="0"/>
-              <a:t>2023/1/3</a:t>
+              <a:t>2023/1/11</a:t>
             </a:fld>
             <a:endParaRPr kumimoji="1" lang="ja-JP" altLang="en-US"/>
           </a:p>
@@ -2043,7 +2043,7 @@
           <a:p>
             <a:fld id="{A1CCF42C-534B-4F17-84EB-3026585EF5A2}" type="datetimeFigureOut">
               <a:rPr kumimoji="1" lang="ja-JP" altLang="en-US" smtClean="0"/>
-              <a:t>2023/1/3</a:t>
+              <a:t>2023/1/11</a:t>
             </a:fld>
             <a:endParaRPr kumimoji="1" lang="ja-JP" altLang="en-US"/>
           </a:p>
@@ -2184,7 +2184,7 @@
           <a:p>
             <a:fld id="{A1CCF42C-534B-4F17-84EB-3026585EF5A2}" type="datetimeFigureOut">
               <a:rPr kumimoji="1" lang="ja-JP" altLang="en-US" smtClean="0"/>
-              <a:t>2023/1/3</a:t>
+              <a:t>2023/1/11</a:t>
             </a:fld>
             <a:endParaRPr kumimoji="1" lang="ja-JP" altLang="en-US"/>
           </a:p>
@@ -2297,7 +2297,7 @@
           <a:p>
             <a:fld id="{A1CCF42C-534B-4F17-84EB-3026585EF5A2}" type="datetimeFigureOut">
               <a:rPr kumimoji="1" lang="ja-JP" altLang="en-US" smtClean="0"/>
-              <a:t>2023/1/3</a:t>
+              <a:t>2023/1/11</a:t>
             </a:fld>
             <a:endParaRPr kumimoji="1" lang="ja-JP" altLang="en-US"/>
           </a:p>
@@ -2640,7 +2640,7 @@
           <a:p>
             <a:fld id="{A1CCF42C-534B-4F17-84EB-3026585EF5A2}" type="datetimeFigureOut">
               <a:rPr kumimoji="1" lang="ja-JP" altLang="en-US" smtClean="0"/>
-              <a:t>2023/1/3</a:t>
+              <a:t>2023/1/11</a:t>
             </a:fld>
             <a:endParaRPr kumimoji="1" lang="ja-JP" altLang="en-US"/>
           </a:p>
@@ -2928,7 +2928,7 @@
           <a:p>
             <a:fld id="{A1CCF42C-534B-4F17-84EB-3026585EF5A2}" type="datetimeFigureOut">
               <a:rPr kumimoji="1" lang="ja-JP" altLang="en-US" smtClean="0"/>
-              <a:t>2023/1/3</a:t>
+              <a:t>2023/1/11</a:t>
             </a:fld>
             <a:endParaRPr kumimoji="1" lang="ja-JP" altLang="en-US"/>
           </a:p>
@@ -3201,7 +3201,7 @@
           <a:p>
             <a:fld id="{A1CCF42C-534B-4F17-84EB-3026585EF5A2}" type="datetimeFigureOut">
               <a:rPr kumimoji="1" lang="ja-JP" altLang="en-US" smtClean="0"/>
-              <a:t>2023/1/3</a:t>
+              <a:t>2023/1/11</a:t>
             </a:fld>
             <a:endParaRPr kumimoji="1" lang="ja-JP" altLang="en-US"/>
           </a:p>
@@ -9142,6 +9142,74 @@
           </a:p>
         </p:txBody>
       </p:sp>
+      <p:sp>
+        <p:nvSpPr>
+          <p:cNvPr id="3" name="テキスト ボックス 2">
+            <a:extLst>
+              <a:ext uri="{FF2B5EF4-FFF2-40B4-BE49-F238E27FC236}">
+                <a16:creationId xmlns:a16="http://schemas.microsoft.com/office/drawing/2014/main" id="{EC4041FF-69E6-2DB1-E144-16D31CFD514A}"/>
+              </a:ext>
+            </a:extLst>
+          </p:cNvPr>
+          <p:cNvSpPr txBox="1"/>
+          <p:nvPr/>
+        </p:nvSpPr>
+        <p:spPr>
+          <a:xfrm>
+            <a:off x="5035933" y="6053069"/>
+            <a:ext cx="3371398" cy="584775"/>
+          </a:xfrm>
+          <a:prstGeom prst="rect">
+            <a:avLst/>
+          </a:prstGeom>
+          <a:noFill/>
+        </p:spPr>
+        <p:txBody>
+          <a:bodyPr wrap="square" rtlCol="0">
+            <a:spAutoFit/>
+          </a:bodyPr>
+          <a:lstStyle/>
+          <a:p>
+            <a:r>
+              <a:rPr lang="ja-JP" altLang="en-US" sz="1600" dirty="0"/>
+              <a:t>上から</a:t>
+            </a:r>
+            <a:r>
+              <a:rPr lang="en-US" altLang="ja-JP" sz="1600" dirty="0"/>
+              <a:t>high mannose,</a:t>
+            </a:r>
+            <a:r>
+              <a:rPr lang="ja-JP" altLang="en-US" sz="1600" dirty="0"/>
+              <a:t> </a:t>
+            </a:r>
+            <a:r>
+              <a:rPr lang="en-US" altLang="ja-JP" sz="1600" dirty="0"/>
+              <a:t>hybrid(high</a:t>
+            </a:r>
+            <a:r>
+              <a:rPr lang="ja-JP" altLang="en-US" sz="1600" dirty="0"/>
+              <a:t>　</a:t>
+            </a:r>
+            <a:r>
+              <a:rPr lang="en-US" altLang="ja-JP" sz="1600" dirty="0"/>
+              <a:t>mannose</a:t>
+            </a:r>
+            <a:r>
+              <a:rPr lang="ja-JP" altLang="en-US" sz="1600" dirty="0"/>
+              <a:t>側</a:t>
+            </a:r>
+            <a:r>
+              <a:rPr lang="en-US" altLang="ja-JP" sz="1600" dirty="0"/>
+              <a:t>), complex</a:t>
+            </a:r>
+            <a:r>
+              <a:rPr lang="ja-JP" altLang="en-US" sz="1600" dirty="0"/>
+              <a:t>になる</a:t>
+            </a:r>
+            <a:endParaRPr lang="en-US" altLang="ja-JP" sz="1600" dirty="0"/>
+          </a:p>
+        </p:txBody>
+      </p:sp>
     </p:spTree>
     <p:extLst>
       <p:ext uri="{BB962C8B-B14F-4D97-AF65-F5344CB8AC3E}">
@@ -12240,7 +12308,7 @@
         </p:nvSpPr>
         <p:spPr>
           <a:xfrm>
-            <a:off x="5456121" y="1584836"/>
+            <a:off x="5132380" y="1465821"/>
             <a:ext cx="746970" cy="369332"/>
           </a:xfrm>
           <a:prstGeom prst="rect">
@@ -13573,7 +13641,7 @@
         </p:nvSpPr>
         <p:spPr>
           <a:xfrm>
-            <a:off x="4289414" y="3054443"/>
+            <a:off x="3454367" y="3069767"/>
             <a:ext cx="746970" cy="369332"/>
           </a:xfrm>
           <a:prstGeom prst="rect">
@@ -13894,8 +13962,8 @@
         </p:nvSpPr>
         <p:spPr>
           <a:xfrm>
-            <a:off x="7251307" y="5190705"/>
-            <a:ext cx="1459035" cy="523220"/>
+            <a:off x="7194504" y="5051627"/>
+            <a:ext cx="1859655" cy="738664"/>
           </a:xfrm>
           <a:prstGeom prst="rect">
             <a:avLst/>
@@ -13919,6 +13987,17 @@
               <a:t>Man(a1-6) 0.27</a:t>
             </a:r>
           </a:p>
+          <a:p>
+            <a:r>
+              <a:rPr kumimoji="1" lang="en-US" altLang="ja-JP" sz="1400" dirty="0"/>
+              <a:t>Neu5Ac(a2-6)</a:t>
+            </a:r>
+            <a:r>
+              <a:rPr lang="en-US" altLang="ja-JP" sz="1400" dirty="0"/>
+              <a:t> 0.003</a:t>
+            </a:r>
+            <a:endParaRPr kumimoji="1" lang="en-US" altLang="ja-JP" sz="1400" dirty="0"/>
+          </a:p>
         </p:txBody>
       </p:sp>
       <p:sp>
@@ -14015,7 +14094,7 @@
         </p:nvSpPr>
         <p:spPr>
           <a:xfrm>
-            <a:off x="5032081" y="2043557"/>
+            <a:off x="4248961" y="2939323"/>
             <a:ext cx="1459035" cy="307777"/>
           </a:xfrm>
           <a:prstGeom prst="rect">
@@ -14431,6 +14510,100 @@
               <a:t> 0.361</a:t>
             </a:r>
             <a:endParaRPr kumimoji="1" lang="en-US" altLang="ja-JP" sz="1400" dirty="0"/>
+          </a:p>
+        </p:txBody>
+      </p:sp>
+      <p:cxnSp>
+        <p:nvCxnSpPr>
+          <p:cNvPr id="3" name="コネクタ: 曲線 2">
+            <a:extLst>
+              <a:ext uri="{FF2B5EF4-FFF2-40B4-BE49-F238E27FC236}">
+                <a16:creationId xmlns:a16="http://schemas.microsoft.com/office/drawing/2014/main" id="{019B8EB7-EBB1-C395-6CEF-731753E7B0A0}"/>
+              </a:ext>
+            </a:extLst>
+          </p:cNvPr>
+          <p:cNvCxnSpPr>
+            <a:cxnSpLocks/>
+            <a:stCxn id="126" idx="7"/>
+            <a:endCxn id="126" idx="1"/>
+          </p:cNvCxnSpPr>
+          <p:nvPr/>
+        </p:nvCxnSpPr>
+        <p:spPr>
+          <a:xfrm rot="16200000" flipV="1">
+            <a:off x="5616139" y="2227377"/>
+            <a:ext cx="12700" cy="426934"/>
+          </a:xfrm>
+          <a:prstGeom prst="curvedConnector3">
+            <a:avLst>
+              <a:gd name="adj1" fmla="val 2664669"/>
+            </a:avLst>
+          </a:prstGeom>
+          <a:ln w="12700">
+            <a:solidFill>
+              <a:schemeClr val="accent1"/>
+            </a:solidFill>
+            <a:prstDash val="solid"/>
+            <a:tailEnd type="triangle"/>
+          </a:ln>
+        </p:spPr>
+        <p:style>
+          <a:lnRef idx="1">
+            <a:schemeClr val="accent1"/>
+          </a:lnRef>
+          <a:fillRef idx="0">
+            <a:schemeClr val="accent1"/>
+          </a:fillRef>
+          <a:effectRef idx="0">
+            <a:schemeClr val="accent1"/>
+          </a:effectRef>
+          <a:fontRef idx="minor">
+            <a:schemeClr val="tx1"/>
+          </a:fontRef>
+        </p:style>
+      </p:cxnSp>
+      <p:sp>
+        <p:nvSpPr>
+          <p:cNvPr id="14" name="テキスト ボックス 13">
+            <a:extLst>
+              <a:ext uri="{FF2B5EF4-FFF2-40B4-BE49-F238E27FC236}">
+                <a16:creationId xmlns:a16="http://schemas.microsoft.com/office/drawing/2014/main" id="{761DFBE5-F6F0-C01A-7617-2D7FCBF1F6C3}"/>
+              </a:ext>
+            </a:extLst>
+          </p:cNvPr>
+          <p:cNvSpPr txBox="1"/>
+          <p:nvPr/>
+        </p:nvSpPr>
+        <p:spPr>
+          <a:xfrm>
+            <a:off x="5255354" y="1793906"/>
+            <a:ext cx="746970" cy="369332"/>
+          </a:xfrm>
+          <a:prstGeom prst="rect">
+            <a:avLst/>
+          </a:prstGeom>
+          <a:noFill/>
+        </p:spPr>
+        <p:txBody>
+          <a:bodyPr wrap="square" rtlCol="0">
+            <a:spAutoFit/>
+          </a:bodyPr>
+          <a:lstStyle/>
+          <a:p>
+            <a:pPr algn="ctr"/>
+            <a:r>
+              <a:rPr lang="en-US" altLang="ja-JP" dirty="0">
+                <a:solidFill>
+                  <a:schemeClr val="accent1"/>
+                </a:solidFill>
+              </a:rPr>
+              <a:t>0.03</a:t>
+            </a:r>
+            <a:endParaRPr kumimoji="1" lang="ja-JP" altLang="en-US" dirty="0">
+              <a:solidFill>
+                <a:schemeClr val="accent1"/>
+              </a:solidFill>
+            </a:endParaRPr>
           </a:p>
         </p:txBody>
       </p:sp>
